--- a/Docs/Team10.pptx
+++ b/Docs/Team10.pptx
@@ -20643,13 +20643,13 @@
   <p:clrMapOvr>
     <a:masterClrMapping/>
   </p:clrMapOvr>
-  <mc:AlternateContent xmlns:mc="http://schemas.openxmlformats.org/markup-compatibility/2006">
-    <mc:Choice xmlns:p159="http://schemas.microsoft.com/office/powerpoint/2015/09/main" Requires="p159">
+  <mc:AlternateContent xmlns:mc="http://schemas.openxmlformats.org/markup-compatibility/2006" xmlns:p159="http://schemas.microsoft.com/office/powerpoint/2015/09/main">
+    <mc:Choice Requires="p159">
       <p:transition spd="slow">
         <p159:morph option="byObject"/>
       </p:transition>
     </mc:Choice>
-    <mc:Fallback>
+    <mc:Fallback xmlns="">
       <p:transition spd="slow">
         <p:fade/>
       </p:transition>
@@ -21106,7 +21106,7 @@
           <p:nvPr>
             <p:extLst>
               <p:ext uri="{D42A27DB-BD31-4B8C-83A1-F6EECF244321}">
-                <p14:modId xmlns:p14="http://schemas.microsoft.com/office/powerpoint/2010/main" val="1482065549"/>
+                <p14:modId xmlns:p14="http://schemas.microsoft.com/office/powerpoint/2010/main" val="4255719737"/>
               </p:ext>
             </p:extLst>
           </p:nvPr>
@@ -21290,9 +21290,7 @@
                       <a:r>
                         <a:rPr lang="en-AE" dirty="0">
                           <a:solidFill>
-                            <a:schemeClr val="tx2">
-                              <a:lumMod val="25000"/>
-                            </a:schemeClr>
+                            <a:schemeClr val="tx1"/>
                           </a:solidFill>
                         </a:rPr>
                         <a:t>94.9%</a:t>
@@ -21314,9 +21312,7 @@
                       <a:r>
                         <a:rPr lang="en-AE" dirty="0">
                           <a:solidFill>
-                            <a:schemeClr val="tx2">
-                              <a:lumMod val="25000"/>
-                            </a:schemeClr>
+                            <a:schemeClr val="tx1"/>
                           </a:solidFill>
                         </a:rPr>
                         <a:t>0.0023</a:t>
@@ -21338,9 +21334,7 @@
                       <a:r>
                         <a:rPr lang="en-AE" dirty="0">
                           <a:solidFill>
-                            <a:schemeClr val="tx2">
-                              <a:lumMod val="25000"/>
-                            </a:schemeClr>
+                            <a:schemeClr val="tx1"/>
                           </a:solidFill>
                         </a:rPr>
                         <a:t>4.68e-05</a:t>
@@ -21426,9 +21420,7 @@
                       <a:r>
                         <a:rPr lang="en-AE" dirty="0">
                           <a:solidFill>
-                            <a:schemeClr val="tx2">
-                              <a:lumMod val="25000"/>
-                            </a:schemeClr>
+                            <a:schemeClr val="tx1"/>
                           </a:solidFill>
                         </a:rPr>
                         <a:t>94.5%</a:t>
@@ -21450,9 +21442,7 @@
                       <a:r>
                         <a:rPr lang="en-AE" dirty="0">
                           <a:solidFill>
-                            <a:schemeClr val="tx2">
-                              <a:lumMod val="25000"/>
-                            </a:schemeClr>
+                            <a:schemeClr val="tx1"/>
                           </a:solidFill>
                         </a:rPr>
                         <a:t>-</a:t>
@@ -21474,9 +21464,7 @@
                       <a:r>
                         <a:rPr lang="en-AE" dirty="0">
                           <a:solidFill>
-                            <a:schemeClr val="tx2">
-                              <a:lumMod val="25000"/>
-                            </a:schemeClr>
+                            <a:schemeClr val="tx1"/>
                           </a:solidFill>
                         </a:rPr>
                         <a:t>-</a:t>
@@ -21532,9 +21520,7 @@
                       <a:r>
                         <a:rPr lang="en-AE" dirty="0">
                           <a:solidFill>
-                            <a:schemeClr val="tx2">
-                              <a:lumMod val="25000"/>
-                            </a:schemeClr>
+                            <a:schemeClr val="tx1"/>
                           </a:solidFill>
                         </a:rPr>
                         <a:t>-9.11%</a:t>
@@ -21556,9 +21542,7 @@
                       <a:r>
                         <a:rPr lang="en-AE" dirty="0">
                           <a:solidFill>
-                            <a:schemeClr val="tx2">
-                              <a:lumMod val="25000"/>
-                            </a:schemeClr>
+                            <a:schemeClr val="tx1"/>
                           </a:solidFill>
                         </a:rPr>
                         <a:t>x</a:t>
@@ -21580,9 +21564,7 @@
                       <a:r>
                         <a:rPr lang="en-AE" dirty="0">
                           <a:solidFill>
-                            <a:schemeClr val="tx2">
-                              <a:lumMod val="25000"/>
-                            </a:schemeClr>
+                            <a:schemeClr val="tx1"/>
                           </a:solidFill>
                         </a:rPr>
                         <a:t>x</a:t>
@@ -21656,9 +21638,7 @@
                       <a:r>
                         <a:rPr lang="en-AE" dirty="0">
                           <a:solidFill>
-                            <a:schemeClr val="tx2">
-                              <a:lumMod val="25000"/>
-                            </a:schemeClr>
+                            <a:schemeClr val="tx1"/>
                           </a:solidFill>
                         </a:rPr>
                         <a:t>89%</a:t>
@@ -21680,9 +21660,7 @@
                       <a:r>
                         <a:rPr lang="en-AE" dirty="0">
                           <a:solidFill>
-                            <a:schemeClr val="tx2">
-                              <a:lumMod val="25000"/>
-                            </a:schemeClr>
+                            <a:schemeClr val="tx1"/>
                           </a:solidFill>
                         </a:rPr>
                         <a:t>0.0027</a:t>
@@ -21704,9 +21682,7 @@
                       <a:r>
                         <a:rPr lang="en-AE" dirty="0">
                           <a:solidFill>
-                            <a:schemeClr val="tx2">
-                              <a:lumMod val="25000"/>
-                            </a:schemeClr>
+                            <a:schemeClr val="tx1"/>
                           </a:solidFill>
                         </a:rPr>
                         <a:t>0.0001</a:t>
@@ -21780,9 +21756,7 @@
                       <a:r>
                         <a:rPr lang="en-AE" dirty="0">
                           <a:solidFill>
-                            <a:schemeClr val="tx2">
-                              <a:lumMod val="25000"/>
-                            </a:schemeClr>
+                            <a:schemeClr val="tx1"/>
                           </a:solidFill>
                         </a:rPr>
                         <a:t>89%</a:t>
@@ -21804,9 +21778,7 @@
                       <a:r>
                         <a:rPr lang="en-AE" dirty="0">
                           <a:solidFill>
-                            <a:schemeClr val="tx2">
-                              <a:lumMod val="25000"/>
-                            </a:schemeClr>
+                            <a:schemeClr val="tx1"/>
                           </a:solidFill>
                         </a:rPr>
                         <a:t>0.001</a:t>
@@ -21828,9 +21800,7 @@
                       <a:r>
                         <a:rPr lang="en-AE" dirty="0">
                           <a:solidFill>
-                            <a:schemeClr val="tx2">
-                              <a:lumMod val="25000"/>
-                            </a:schemeClr>
+                            <a:schemeClr val="tx1"/>
                           </a:solidFill>
                         </a:rPr>
                         <a:t>1.15e-05</a:t>
@@ -21863,13 +21833,13 @@
   <p:clrMapOvr>
     <a:masterClrMapping/>
   </p:clrMapOvr>
-  <mc:AlternateContent xmlns:mc="http://schemas.openxmlformats.org/markup-compatibility/2006">
-    <mc:Choice xmlns:p159="http://schemas.microsoft.com/office/powerpoint/2015/09/main" Requires="p159">
+  <mc:AlternateContent xmlns:mc="http://schemas.openxmlformats.org/markup-compatibility/2006" xmlns:p159="http://schemas.microsoft.com/office/powerpoint/2015/09/main">
+    <mc:Choice Requires="p159">
       <p:transition spd="slow">
         <p159:morph option="byObject"/>
       </p:transition>
     </mc:Choice>
-    <mc:Fallback>
+    <mc:Fallback xmlns="">
       <p:transition spd="slow">
         <p:fade/>
       </p:transition>
@@ -22284,7 +22254,7 @@
           <p:nvPr>
             <p:extLst>
               <p:ext uri="{D42A27DB-BD31-4B8C-83A1-F6EECF244321}">
-                <p14:modId xmlns:p14="http://schemas.microsoft.com/office/powerpoint/2010/main" val="180666310"/>
+                <p14:modId xmlns:p14="http://schemas.microsoft.com/office/powerpoint/2010/main" val="1908590291"/>
               </p:ext>
             </p:extLst>
           </p:nvPr>
@@ -22468,9 +22438,7 @@
                       <a:r>
                         <a:rPr lang="en-AE" dirty="0">
                           <a:solidFill>
-                            <a:schemeClr val="tx2">
-                              <a:lumMod val="25000"/>
-                            </a:schemeClr>
+                            <a:schemeClr val="tx1"/>
                           </a:solidFill>
                         </a:rPr>
                         <a:t>96.2%</a:t>
@@ -22492,9 +22460,7 @@
                       <a:r>
                         <a:rPr lang="en-AE" dirty="0">
                           <a:solidFill>
-                            <a:schemeClr val="tx2">
-                              <a:lumMod val="25000"/>
-                            </a:schemeClr>
+                            <a:schemeClr val="tx1"/>
                           </a:solidFill>
                         </a:rPr>
                         <a:t>0.018</a:t>
@@ -22516,9 +22482,7 @@
                       <a:r>
                         <a:rPr lang="en-AE" dirty="0">
                           <a:solidFill>
-                            <a:schemeClr val="tx2">
-                              <a:lumMod val="25000"/>
-                            </a:schemeClr>
+                            <a:schemeClr val="tx1"/>
                           </a:solidFill>
                         </a:rPr>
                         <a:t>0.0006</a:t>
@@ -22604,9 +22568,7 @@
                       <a:r>
                         <a:rPr lang="en-AE" dirty="0">
                           <a:solidFill>
-                            <a:schemeClr val="tx2">
-                              <a:lumMod val="25000"/>
-                            </a:schemeClr>
+                            <a:schemeClr val="tx1"/>
                           </a:solidFill>
                         </a:rPr>
                         <a:t>97%</a:t>
@@ -22628,9 +22590,7 @@
                       <a:r>
                         <a:rPr lang="en-AE" dirty="0">
                           <a:solidFill>
-                            <a:schemeClr val="tx2">
-                              <a:lumMod val="25000"/>
-                            </a:schemeClr>
+                            <a:schemeClr val="tx1"/>
                           </a:solidFill>
                         </a:rPr>
                         <a:t>-</a:t>
@@ -22652,9 +22612,7 @@
                       <a:r>
                         <a:rPr lang="en-AE" dirty="0">
                           <a:solidFill>
-                            <a:schemeClr val="tx2">
-                              <a:lumMod val="25000"/>
-                            </a:schemeClr>
+                            <a:schemeClr val="tx1"/>
                           </a:solidFill>
                         </a:rPr>
                         <a:t>-</a:t>
@@ -22740,9 +22698,7 @@
                       <a:r>
                         <a:rPr lang="en-AE" dirty="0">
                           <a:solidFill>
-                            <a:schemeClr val="tx2">
-                              <a:lumMod val="25000"/>
-                            </a:schemeClr>
+                            <a:schemeClr val="tx1"/>
                           </a:solidFill>
                         </a:rPr>
                         <a:t>96.9%</a:t>
@@ -22764,9 +22720,7 @@
                       <a:r>
                         <a:rPr lang="en-AE" dirty="0">
                           <a:solidFill>
-                            <a:schemeClr val="tx2">
-                              <a:lumMod val="25000"/>
-                            </a:schemeClr>
+                            <a:schemeClr val="tx1"/>
                           </a:solidFill>
                         </a:rPr>
                         <a:t>-</a:t>
@@ -22788,9 +22742,7 @@
                       <a:r>
                         <a:rPr lang="en-AE" dirty="0">
                           <a:solidFill>
-                            <a:schemeClr val="tx2">
-                              <a:lumMod val="25000"/>
-                            </a:schemeClr>
+                            <a:schemeClr val="tx1"/>
                           </a:solidFill>
                         </a:rPr>
                         <a:t>-</a:t>
@@ -22864,9 +22816,7 @@
                       <a:r>
                         <a:rPr lang="en-AE" dirty="0">
                           <a:solidFill>
-                            <a:schemeClr val="tx2">
-                              <a:lumMod val="25000"/>
-                            </a:schemeClr>
+                            <a:schemeClr val="tx1"/>
                           </a:solidFill>
                         </a:rPr>
                         <a:t>92.6%</a:t>
@@ -22888,9 +22838,7 @@
                       <a:r>
                         <a:rPr lang="en-AE" dirty="0">
                           <a:solidFill>
-                            <a:schemeClr val="tx2">
-                              <a:lumMod val="25000"/>
-                            </a:schemeClr>
+                            <a:schemeClr val="tx1"/>
                           </a:solidFill>
                         </a:rPr>
                         <a:t>0.027</a:t>
@@ -22912,9 +22860,7 @@
                       <a:r>
                         <a:rPr lang="en-AE" dirty="0">
                           <a:solidFill>
-                            <a:schemeClr val="tx2">
-                              <a:lumMod val="25000"/>
-                            </a:schemeClr>
+                            <a:schemeClr val="tx1"/>
                           </a:solidFill>
                         </a:rPr>
                         <a:t>0.0012</a:t>
@@ -22998,9 +22944,7 @@
                       <a:r>
                         <a:rPr lang="en-AE" dirty="0">
                           <a:solidFill>
-                            <a:schemeClr val="tx2">
-                              <a:lumMod val="25000"/>
-                            </a:schemeClr>
+                            <a:schemeClr val="tx1"/>
                           </a:solidFill>
                         </a:rPr>
                         <a:t>28.2%</a:t>
@@ -23022,9 +22966,7 @@
                       <a:r>
                         <a:rPr lang="en-AE" dirty="0">
                           <a:solidFill>
-                            <a:schemeClr val="tx2">
-                              <a:lumMod val="25000"/>
-                            </a:schemeClr>
+                            <a:schemeClr val="tx1"/>
                           </a:solidFill>
                         </a:rPr>
                         <a:t>0.08</a:t>
@@ -23046,9 +22988,7 @@
                       <a:r>
                         <a:rPr lang="en-AE" dirty="0">
                           <a:solidFill>
-                            <a:schemeClr val="tx2">
-                              <a:lumMod val="25000"/>
-                            </a:schemeClr>
+                            <a:schemeClr val="tx1"/>
                           </a:solidFill>
                         </a:rPr>
                         <a:t>0.012</a:t>
@@ -23132,9 +23072,7 @@
                       <a:r>
                         <a:rPr lang="en-AE" dirty="0">
                           <a:solidFill>
-                            <a:schemeClr val="tx2">
-                              <a:lumMod val="25000"/>
-                            </a:schemeClr>
+                            <a:schemeClr val="tx1"/>
                           </a:solidFill>
                         </a:rPr>
                         <a:t>87.3%</a:t>
@@ -23156,9 +23094,7 @@
                       <a:r>
                         <a:rPr lang="en-AE" dirty="0">
                           <a:solidFill>
-                            <a:schemeClr val="tx2">
-                              <a:lumMod val="25000"/>
-                            </a:schemeClr>
+                            <a:schemeClr val="tx1"/>
                           </a:solidFill>
                         </a:rPr>
                         <a:t>0.03</a:t>
@@ -23180,9 +23116,7 @@
                       <a:r>
                         <a:rPr lang="en-AE" dirty="0">
                           <a:solidFill>
-                            <a:schemeClr val="tx2">
-                              <a:lumMod val="25000"/>
-                            </a:schemeClr>
+                            <a:schemeClr val="tx1"/>
                           </a:solidFill>
                         </a:rPr>
                         <a:t>0.002</a:t>
@@ -23249,9 +23183,7 @@
                       <a:r>
                         <a:rPr lang="en-AE" dirty="0">
                           <a:solidFill>
-                            <a:schemeClr val="tx2">
-                              <a:lumMod val="25000"/>
-                            </a:schemeClr>
+                            <a:schemeClr val="tx1"/>
                           </a:solidFill>
                         </a:rPr>
                         <a:t>99.99%</a:t>
@@ -23270,16 +23202,11 @@
                     <a:lstStyle/>
                     <a:p>
                       <a:pPr algn="ctr"/>
-                      <a:r>
-                        <a:rPr lang="en-AE" dirty="0">
-                          <a:solidFill>
-                            <a:schemeClr val="tx2">
-                              <a:lumMod val="25000"/>
-                            </a:schemeClr>
-                          </a:solidFill>
-                        </a:rPr>
-                        <a:t>1.414</a:t>
-                      </a:r>
+                      <a:endParaRPr lang="en-AE" dirty="0">
+                        <a:solidFill>
+                          <a:schemeClr val="tx1"/>
+                        </a:solidFill>
+                      </a:endParaRPr>
                     </a:p>
                   </a:txBody>
                   <a:tcPr anchor="ctr">
@@ -23296,9 +23223,7 @@
                       <a:pPr algn="ctr"/>
                       <a:endParaRPr lang="en-AE" dirty="0">
                         <a:solidFill>
-                          <a:schemeClr val="tx2">
-                            <a:lumMod val="25000"/>
-                          </a:schemeClr>
+                          <a:schemeClr val="tx1"/>
                         </a:solidFill>
                       </a:endParaRPr>
                     </a:p>
@@ -23329,13 +23254,13 @@
   <p:clrMapOvr>
     <a:masterClrMapping/>
   </p:clrMapOvr>
-  <mc:AlternateContent xmlns:mc="http://schemas.openxmlformats.org/markup-compatibility/2006">
-    <mc:Choice xmlns:p159="http://schemas.microsoft.com/office/powerpoint/2015/09/main" Requires="p159">
+  <mc:AlternateContent xmlns:mc="http://schemas.openxmlformats.org/markup-compatibility/2006" xmlns:p159="http://schemas.microsoft.com/office/powerpoint/2015/09/main">
+    <mc:Choice Requires="p159">
       <p:transition spd="slow">
         <p159:morph option="byObject"/>
       </p:transition>
     </mc:Choice>
-    <mc:Fallback>
+    <mc:Fallback xmlns="">
       <p:transition spd="slow">
         <p:fade/>
       </p:transition>

--- a/Docs/Team10.pptx
+++ b/Docs/Team10.pptx
@@ -17653,7 +17653,7 @@
                   </a:schemeClr>
                 </a:solidFill>
               </a:rPr>
-              <a:t>Outliers handeling</a:t>
+              <a:t>Outliers handling</a:t>
             </a:r>
           </a:p>
         </p:txBody>
@@ -18227,7 +18227,7 @@
                   </a:schemeClr>
                 </a:solidFill>
               </a:rPr>
-              <a:t>Outliers handeling</a:t>
+              <a:t>Outliers handling</a:t>
             </a:r>
           </a:p>
         </p:txBody>
@@ -20543,8 +20543,8 @@
         </p:nvSpPr>
         <p:spPr>
           <a:xfrm>
-            <a:off x="720000" y="1637533"/>
-            <a:ext cx="7966801" cy="1918339"/>
+            <a:off x="720001" y="1637533"/>
+            <a:ext cx="3355612" cy="1918339"/>
           </a:xfrm>
           <a:prstGeom prst="rect">
             <a:avLst/>
@@ -20633,6 +20633,36 @@
           </a:p>
         </p:txBody>
       </p:sp>
+      <p:pic>
+        <p:nvPicPr>
+          <p:cNvPr id="3" name="Picture 2">
+            <a:extLst>
+              <a:ext uri="{FF2B5EF4-FFF2-40B4-BE49-F238E27FC236}">
+                <a16:creationId xmlns:a16="http://schemas.microsoft.com/office/drawing/2014/main" id="{8A9751C7-B02E-2323-5330-C04A9DF761DF}"/>
+              </a:ext>
+            </a:extLst>
+          </p:cNvPr>
+          <p:cNvPicPr>
+            <a:picLocks noChangeAspect="1"/>
+          </p:cNvPicPr>
+          <p:nvPr/>
+        </p:nvPicPr>
+        <p:blipFill>
+          <a:blip r:embed="rId3"/>
+          <a:stretch>
+            <a:fillRect/>
+          </a:stretch>
+        </p:blipFill>
+        <p:spPr>
+          <a:xfrm>
+            <a:off x="4572000" y="731375"/>
+            <a:ext cx="3679127" cy="3621939"/>
+          </a:xfrm>
+          <a:prstGeom prst="rect">
+            <a:avLst/>
+          </a:prstGeom>
+        </p:spPr>
+      </p:pic>
     </p:spTree>
     <p:extLst>
       <p:ext uri="{BB962C8B-B14F-4D97-AF65-F5344CB8AC3E}">
@@ -20844,6 +20874,41 @@
                                               <p:pRg st="3" end="3"/>
                                             </p:txEl>
                                           </p:spTgt>
+                                        </p:tgtEl>
+                                      </p:cBhvr>
+                                    </p:animEffect>
+                                  </p:childTnLst>
+                                </p:cTn>
+                              </p:par>
+                              <p:par>
+                                <p:cTn id="17" presetID="10" presetClass="entr" presetSubtype="0" fill="hold" nodeType="withEffect">
+                                  <p:stCondLst>
+                                    <p:cond delay="0"/>
+                                  </p:stCondLst>
+                                  <p:childTnLst>
+                                    <p:set>
+                                      <p:cBhvr>
+                                        <p:cTn id="18" dur="1" fill="hold">
+                                          <p:stCondLst>
+                                            <p:cond delay="0"/>
+                                          </p:stCondLst>
+                                        </p:cTn>
+                                        <p:tgtEl>
+                                          <p:spTgt spid="3"/>
+                                        </p:tgtEl>
+                                        <p:attrNameLst>
+                                          <p:attrName>style.visibility</p:attrName>
+                                        </p:attrNameLst>
+                                      </p:cBhvr>
+                                      <p:to>
+                                        <p:strVal val="visible"/>
+                                      </p:to>
+                                    </p:set>
+                                    <p:animEffect transition="in" filter="fade">
+                                      <p:cBhvr>
+                                        <p:cTn id="19" dur="500"/>
+                                        <p:tgtEl>
+                                          <p:spTgt spid="3"/>
                                         </p:tgtEl>
                                       </p:cBhvr>
                                     </p:animEffect>
@@ -22254,7 +22319,7 @@
           <p:nvPr>
             <p:extLst>
               <p:ext uri="{D42A27DB-BD31-4B8C-83A1-F6EECF244321}">
-                <p14:modId xmlns:p14="http://schemas.microsoft.com/office/powerpoint/2010/main" val="1908590291"/>
+                <p14:modId xmlns:p14="http://schemas.microsoft.com/office/powerpoint/2010/main" val="1056281184"/>
               </p:ext>
             </p:extLst>
           </p:nvPr>
@@ -23186,7 +23251,7 @@
                             <a:schemeClr val="tx1"/>
                           </a:solidFill>
                         </a:rPr>
-                        <a:t>99.99%</a:t>
+                        <a:t>90.36%</a:t>
                       </a:r>
                     </a:p>
                   </a:txBody>
@@ -23202,6 +23267,14 @@
                     <a:lstStyle/>
                     <a:p>
                       <a:pPr algn="ctr"/>
+                      <a:r>
+                        <a:rPr lang="en-US" dirty="0">
+                          <a:solidFill>
+                            <a:schemeClr val="tx1"/>
+                          </a:solidFill>
+                        </a:rPr>
+                        <a:t>0.027</a:t>
+                      </a:r>
                       <a:endParaRPr lang="en-AE" dirty="0">
                         <a:solidFill>
                           <a:schemeClr val="tx1"/>
@@ -23221,6 +23294,14 @@
                     <a:lstStyle/>
                     <a:p>
                       <a:pPr algn="ctr"/>
+                      <a:r>
+                        <a:rPr lang="en-US" dirty="0">
+                          <a:solidFill>
+                            <a:schemeClr val="tx1"/>
+                          </a:solidFill>
+                        </a:rPr>
+                        <a:t>0.0014</a:t>
+                      </a:r>
                       <a:endParaRPr lang="en-AE" dirty="0">
                         <a:solidFill>
                           <a:schemeClr val="tx1"/>
@@ -25814,7 +25895,7 @@
                   <a:schemeClr val="tx1"/>
                 </a:solidFill>
               </a:rPr>
-              <a:t>People with overall greater than 90, have a ratio between 0.35 and 0.5</a:t>
+              <a:t>People with overall rating greater than 90 have a ratio between 0.35 and 0.5</a:t>
             </a:r>
           </a:p>
         </p:txBody>

--- a/Docs/Team10.pptx
+++ b/Docs/Team10.pptx
@@ -13630,15 +13630,7 @@
             </a:pPr>
             <a:r>
               <a:rPr lang="en-US" sz="1400" dirty="0"/>
-              <a:t>Farah Mohamed </a:t>
-            </a:r>
-            <a:r>
-              <a:rPr lang="en-US" sz="1400" dirty="0" err="1"/>
-              <a:t>Abdelfatah</a:t>
-            </a:r>
-            <a:r>
-              <a:rPr lang="en-US" sz="1400" dirty="0"/>
-              <a:t>		1190176</a:t>
+              <a:t>Farah Mohamed Abdelfattah		1190176</a:t>
             </a:r>
           </a:p>
           <a:p>
@@ -13752,7 +13744,7 @@
         </p:blipFill>
         <p:spPr>
           <a:xfrm>
-            <a:off x="7993294" y="200282"/>
+            <a:off x="7970047" y="177035"/>
             <a:ext cx="1035405" cy="1341916"/>
           </a:xfrm>
           <a:prstGeom prst="rect">
@@ -13782,7 +13774,7 @@
         </p:blipFill>
         <p:spPr>
           <a:xfrm>
-            <a:off x="232333" y="223482"/>
+            <a:off x="178090" y="161490"/>
             <a:ext cx="1154678" cy="1154678"/>
           </a:xfrm>
           <a:prstGeom prst="rect">
@@ -19364,98 +19356,6 @@
           </a:ln>
         </p:spPr>
       </p:cxnSp>
-      <p:sp>
-        <p:nvSpPr>
-          <p:cNvPr id="335" name="Google Shape;335;p32"/>
-          <p:cNvSpPr/>
-          <p:nvPr/>
-        </p:nvSpPr>
-        <p:spPr>
-          <a:xfrm>
-            <a:off x="3244800" y="2425134"/>
-            <a:ext cx="239400" cy="239400"/>
-          </a:xfrm>
-          <a:prstGeom prst="star4">
-            <a:avLst>
-              <a:gd name="adj" fmla="val 15727"/>
-            </a:avLst>
-          </a:prstGeom>
-          <a:noFill/>
-          <a:ln w="19050" cap="flat" cmpd="sng">
-            <a:solidFill>
-              <a:schemeClr val="lt1"/>
-            </a:solidFill>
-            <a:prstDash val="solid"/>
-            <a:round/>
-            <a:headEnd type="none" w="sm" len="sm"/>
-            <a:tailEnd type="none" w="sm" len="sm"/>
-          </a:ln>
-        </p:spPr>
-        <p:txBody>
-          <a:bodyPr spcFirstLastPara="1" wrap="square" lIns="91425" tIns="91425" rIns="91425" bIns="91425" anchor="ctr" anchorCtr="0">
-            <a:noAutofit/>
-          </a:bodyPr>
-          <a:lstStyle/>
-          <a:p>
-            <a:pPr marL="0" lvl="0" indent="0" algn="l" rtl="0">
-              <a:spcBef>
-                <a:spcPts val="0"/>
-              </a:spcBef>
-              <a:spcAft>
-                <a:spcPts val="0"/>
-              </a:spcAft>
-              <a:buNone/>
-            </a:pPr>
-            <a:endParaRPr/>
-          </a:p>
-        </p:txBody>
-      </p:sp>
-      <p:sp>
-        <p:nvSpPr>
-          <p:cNvPr id="336" name="Google Shape;336;p32"/>
-          <p:cNvSpPr/>
-          <p:nvPr/>
-        </p:nvSpPr>
-        <p:spPr>
-          <a:xfrm>
-            <a:off x="7280500" y="2425134"/>
-            <a:ext cx="239400" cy="239400"/>
-          </a:xfrm>
-          <a:prstGeom prst="star4">
-            <a:avLst>
-              <a:gd name="adj" fmla="val 15727"/>
-            </a:avLst>
-          </a:prstGeom>
-          <a:noFill/>
-          <a:ln w="19050" cap="flat" cmpd="sng">
-            <a:solidFill>
-              <a:schemeClr val="lt1"/>
-            </a:solidFill>
-            <a:prstDash val="solid"/>
-            <a:round/>
-            <a:headEnd type="none" w="sm" len="sm"/>
-            <a:tailEnd type="none" w="sm" len="sm"/>
-          </a:ln>
-        </p:spPr>
-        <p:txBody>
-          <a:bodyPr spcFirstLastPara="1" wrap="square" lIns="91425" tIns="91425" rIns="91425" bIns="91425" anchor="ctr" anchorCtr="0">
-            <a:noAutofit/>
-          </a:bodyPr>
-          <a:lstStyle/>
-          <a:p>
-            <a:pPr marL="0" lvl="0" indent="0" algn="l" rtl="0">
-              <a:spcBef>
-                <a:spcPts val="0"/>
-              </a:spcBef>
-              <a:spcAft>
-                <a:spcPts val="0"/>
-              </a:spcAft>
-              <a:buNone/>
-            </a:pPr>
-            <a:endParaRPr/>
-          </a:p>
-        </p:txBody>
-      </p:sp>
     </p:spTree>
     <p:extLst>
       <p:ext uri="{BB962C8B-B14F-4D97-AF65-F5344CB8AC3E}">
@@ -19808,7 +19708,7 @@
         </p:nvSpPr>
         <p:spPr>
           <a:xfrm>
-            <a:off x="4401409" y="2837907"/>
+            <a:off x="4199935" y="2837907"/>
             <a:ext cx="656100" cy="438000"/>
           </a:xfrm>
           <a:prstGeom prst="rect">
@@ -19934,7 +19834,7 @@
         </p:nvSpPr>
         <p:spPr>
           <a:xfrm>
-            <a:off x="3517908" y="3275906"/>
+            <a:off x="3316434" y="3275906"/>
             <a:ext cx="2479935" cy="572699"/>
           </a:xfrm>
           <a:prstGeom prst="rect">

--- a/Docs/Team10.pptx
+++ b/Docs/Team10.pptx
@@ -21071,7 +21071,7 @@
           <p:nvPr>
             <p:extLst>
               <p:ext uri="{D42A27DB-BD31-4B8C-83A1-F6EECF244321}">
-                <p14:modId xmlns:p14="http://schemas.microsoft.com/office/powerpoint/2010/main" val="4255719737"/>
+                <p14:modId xmlns:p14="http://schemas.microsoft.com/office/powerpoint/2010/main" val="2896494208"/>
               </p:ext>
             </p:extLst>
           </p:nvPr>
@@ -21488,7 +21488,7 @@
                             <a:schemeClr val="tx1"/>
                           </a:solidFill>
                         </a:rPr>
-                        <a:t>-9.11%</a:t>
+                        <a:t>14.31%</a:t>
                       </a:r>
                     </a:p>
                   </a:txBody>
@@ -21505,12 +21505,20 @@
                     <a:p>
                       <a:pPr algn="ctr"/>
                       <a:r>
+                        <a:rPr lang="en-US" dirty="0">
+                          <a:solidFill>
+                            <a:schemeClr val="tx1"/>
+                          </a:solidFill>
+                        </a:rPr>
+                        <a:t>0</a:t>
+                      </a:r>
+                      <a:r>
                         <a:rPr lang="en-AE" dirty="0">
                           <a:solidFill>
                             <a:schemeClr val="tx1"/>
                           </a:solidFill>
                         </a:rPr>
-                        <a:t>x</a:t>
+                        <a:t>.021</a:t>
                       </a:r>
                     </a:p>
                   </a:txBody>
@@ -21527,12 +21535,28 @@
                     <a:p>
                       <a:pPr algn="ctr"/>
                       <a:r>
+                        <a:rPr lang="en-US" dirty="0">
+                          <a:solidFill>
+                            <a:schemeClr val="tx1"/>
+                          </a:solidFill>
+                        </a:rPr>
+                        <a:t>0</a:t>
+                      </a:r>
+                      <a:r>
+                        <a:rPr lang="en-AE">
+                          <a:solidFill>
+                            <a:schemeClr val="tx1"/>
+                          </a:solidFill>
+                        </a:rPr>
+                        <a:t>.000</a:t>
+                      </a:r>
+                      <a:r>
                         <a:rPr lang="en-AE" dirty="0">
                           <a:solidFill>
                             <a:schemeClr val="tx1"/>
                           </a:solidFill>
                         </a:rPr>
-                        <a:t>x</a:t>
+                        <a:t>7</a:t>
                       </a:r>
                     </a:p>
                   </a:txBody>
